--- a/day-2/slides/ppt/Node Introduction.pptx
+++ b/day-2/slides/ppt/Node Introduction.pptx
@@ -5,7 +5,7 @@
     <p:sldMasterId id="2147483668" r:id="rId1"/>
   </p:sldMasterIdLst>
   <p:notesMasterIdLst>
-    <p:notesMasterId r:id="rId14"/>
+    <p:notesMasterId r:id="rId18"/>
   </p:notesMasterIdLst>
   <p:sldIdLst>
     <p:sldId id="259" r:id="rId2"/>
@@ -13,30 +13,34 @@
     <p:sldId id="277" r:id="rId4"/>
     <p:sldId id="278" r:id="rId5"/>
     <p:sldId id="279" r:id="rId6"/>
-    <p:sldId id="274" r:id="rId7"/>
-    <p:sldId id="290" r:id="rId8"/>
-    <p:sldId id="275" r:id="rId9"/>
-    <p:sldId id="291" r:id="rId10"/>
-    <p:sldId id="276" r:id="rId11"/>
-    <p:sldId id="292" r:id="rId12"/>
-    <p:sldId id="270" r:id="rId13"/>
+    <p:sldId id="300" r:id="rId7"/>
+    <p:sldId id="299" r:id="rId8"/>
+    <p:sldId id="302" r:id="rId9"/>
+    <p:sldId id="301" r:id="rId10"/>
+    <p:sldId id="274" r:id="rId11"/>
+    <p:sldId id="290" r:id="rId12"/>
+    <p:sldId id="275" r:id="rId13"/>
+    <p:sldId id="291" r:id="rId14"/>
+    <p:sldId id="276" r:id="rId15"/>
+    <p:sldId id="292" r:id="rId16"/>
+    <p:sldId id="270" r:id="rId17"/>
   </p:sldIdLst>
   <p:sldSz cx="9144000" cy="5143500" type="screen16x9"/>
   <p:notesSz cx="6858000" cy="9144000"/>
   <p:embeddedFontLst>
     <p:embeddedFont>
       <p:font typeface="Calibri" panose="020F0502020204030204" pitchFamily="34" charset="0"/>
-      <p:regular r:id="rId15"/>
-      <p:bold r:id="rId16"/>
-      <p:italic r:id="rId17"/>
-      <p:boldItalic r:id="rId18"/>
-    </p:embeddedFont>
-    <p:embeddedFont>
-      <p:font typeface="Montserrat" pitchFamily="2" charset="77"/>
       <p:regular r:id="rId19"/>
       <p:bold r:id="rId20"/>
       <p:italic r:id="rId21"/>
       <p:boldItalic r:id="rId22"/>
+    </p:embeddedFont>
+    <p:embeddedFont>
+      <p:font typeface="Montserrat" panose="00000500000000000000" pitchFamily="2" charset="0"/>
+      <p:regular r:id="rId23"/>
+      <p:bold r:id="rId24"/>
+      <p:italic r:id="rId25"/>
+      <p:boldItalic r:id="rId26"/>
     </p:embeddedFont>
   </p:embeddedFontLst>
   <p:defaultTextStyle>
@@ -902,6 +906,195 @@
     </p:spTree>
     <p:extLst>
       <p:ext uri="{BB962C8B-B14F-4D97-AF65-F5344CB8AC3E}">
+        <p14:creationId xmlns:p14="http://schemas.microsoft.com/office/powerpoint/2010/main" val="688789791"/>
+      </p:ext>
+    </p:extLst>
+  </p:cSld>
+  <p:clrMapOvr>
+    <a:masterClrMapping/>
+  </p:clrMapOvr>
+</p:notes>
+</file>
+
+<file path=ppt/notesSlides/notesSlide11.xml><?xml version="1.0" encoding="utf-8"?>
+<p:notes xmlns:a="http://schemas.openxmlformats.org/drawingml/2006/main" xmlns:r="http://schemas.openxmlformats.org/officeDocument/2006/relationships" xmlns:p="http://schemas.openxmlformats.org/presentationml/2006/main" showMasterSp="0" showMasterPhAnim="0">
+  <p:cSld>
+    <p:spTree>
+      <p:nvGrpSpPr>
+        <p:cNvPr id="1" name="Shape 143"/>
+        <p:cNvGrpSpPr/>
+        <p:nvPr/>
+      </p:nvGrpSpPr>
+      <p:grpSpPr>
+        <a:xfrm>
+          <a:off x="0" y="0"/>
+          <a:ext cx="0" cy="0"/>
+          <a:chOff x="0" y="0"/>
+          <a:chExt cx="0" cy="0"/>
+        </a:xfrm>
+      </p:grpSpPr>
+      <p:sp>
+        <p:nvSpPr>
+          <p:cNvPr id="144" name="Google Shape;144;g12176131a78_6_261:notes"/>
+          <p:cNvSpPr>
+            <a:spLocks noGrp="1" noRot="1" noChangeAspect="1"/>
+          </p:cNvSpPr>
+          <p:nvPr>
+            <p:ph type="sldImg" idx="2"/>
+          </p:nvPr>
+        </p:nvSpPr>
+        <p:spPr>
+          <a:xfrm>
+            <a:off x="381000" y="685800"/>
+            <a:ext cx="6096000" cy="3429000"/>
+          </a:xfrm>
+          <a:custGeom>
+            <a:avLst/>
+            <a:gdLst/>
+            <a:ahLst/>
+            <a:cxnLst/>
+            <a:rect l="l" t="t" r="r" b="b"/>
+            <a:pathLst>
+              <a:path w="120000" h="120000" extrusionOk="0">
+                <a:moveTo>
+                  <a:pt x="0" y="0"/>
+                </a:moveTo>
+                <a:lnTo>
+                  <a:pt x="120000" y="0"/>
+                </a:lnTo>
+                <a:lnTo>
+                  <a:pt x="120000" y="120000"/>
+                </a:lnTo>
+                <a:lnTo>
+                  <a:pt x="0" y="120000"/>
+                </a:lnTo>
+                <a:close/>
+              </a:path>
+            </a:pathLst>
+          </a:custGeom>
+        </p:spPr>
+      </p:sp>
+      <p:sp>
+        <p:nvSpPr>
+          <p:cNvPr id="145" name="Google Shape;145;g12176131a78_6_261:notes"/>
+          <p:cNvSpPr txBox="1">
+            <a:spLocks noGrp="1"/>
+          </p:cNvSpPr>
+          <p:nvPr>
+            <p:ph type="body" idx="1"/>
+          </p:nvPr>
+        </p:nvSpPr>
+        <p:spPr>
+          <a:xfrm>
+            <a:off x="685800" y="4343400"/>
+            <a:ext cx="5486400" cy="4114800"/>
+          </a:xfrm>
+          <a:prstGeom prst="rect">
+            <a:avLst/>
+          </a:prstGeom>
+        </p:spPr>
+        <p:txBody>
+          <a:bodyPr spcFirstLastPara="1" wrap="square" lIns="91425" tIns="91425" rIns="91425" bIns="91425" anchor="t" anchorCtr="0">
+            <a:noAutofit/>
+          </a:bodyPr>
+          <a:lstStyle/>
+          <a:p>
+            <a:pPr marL="0" lvl="0" indent="0" algn="l" rtl="0">
+              <a:spcBef>
+                <a:spcPts val="0"/>
+              </a:spcBef>
+              <a:spcAft>
+                <a:spcPts val="0"/>
+              </a:spcAft>
+              <a:buNone/>
+            </a:pPr>
+            <a:endParaRPr lang="en-US" dirty="0"/>
+          </a:p>
+        </p:txBody>
+      </p:sp>
+    </p:spTree>
+    <p:extLst>
+      <p:ext uri="{BB962C8B-B14F-4D97-AF65-F5344CB8AC3E}">
+        <p14:creationId xmlns:p14="http://schemas.microsoft.com/office/powerpoint/2010/main" val="1648189447"/>
+      </p:ext>
+    </p:extLst>
+  </p:cSld>
+  <p:clrMapOvr>
+    <a:masterClrMapping/>
+  </p:clrMapOvr>
+</p:notes>
+</file>
+
+<file path=ppt/notesSlides/notesSlide12.xml><?xml version="1.0" encoding="utf-8"?>
+<p:notes xmlns:a="http://schemas.openxmlformats.org/drawingml/2006/main" xmlns:r="http://schemas.openxmlformats.org/officeDocument/2006/relationships" xmlns:p="http://schemas.openxmlformats.org/presentationml/2006/main">
+  <p:cSld>
+    <p:spTree>
+      <p:nvGrpSpPr>
+        <p:cNvPr id="1" name=""/>
+        <p:cNvGrpSpPr/>
+        <p:nvPr/>
+      </p:nvGrpSpPr>
+      <p:grpSpPr>
+        <a:xfrm>
+          <a:off x="0" y="0"/>
+          <a:ext cx="0" cy="0"/>
+          <a:chOff x="0" y="0"/>
+          <a:chExt cx="0" cy="0"/>
+        </a:xfrm>
+      </p:grpSpPr>
+      <p:sp>
+        <p:nvSpPr>
+          <p:cNvPr id="2" name="Slide Image Placeholder 1"/>
+          <p:cNvSpPr>
+            <a:spLocks noGrp="1" noRot="1" noChangeAspect="1"/>
+          </p:cNvSpPr>
+          <p:nvPr>
+            <p:ph type="sldImg"/>
+          </p:nvPr>
+        </p:nvSpPr>
+        <p:spPr>
+          <a:xfrm>
+            <a:off x="381000" y="685800"/>
+            <a:ext cx="6096000" cy="3429000"/>
+          </a:xfrm>
+        </p:spPr>
+      </p:sp>
+      <p:sp>
+        <p:nvSpPr>
+          <p:cNvPr id="3" name="Notes Placeholder 2"/>
+          <p:cNvSpPr>
+            <a:spLocks noGrp="1"/>
+          </p:cNvSpPr>
+          <p:nvPr>
+            <p:ph type="body" idx="1"/>
+          </p:nvPr>
+        </p:nvSpPr>
+        <p:spPr/>
+        <p:txBody>
+          <a:bodyPr/>
+          <a:lstStyle/>
+          <a:p>
+            <a:pPr marL="158750" indent="0" algn="l">
+              <a:buNone/>
+            </a:pPr>
+            <a:r>
+              <a:rPr lang="en-US" dirty="0"/>
+              <a:t>https://</a:t>
+            </a:r>
+            <a:r>
+              <a:rPr lang="en-US" dirty="0" err="1"/>
+              <a:t>www.npmjs.com</a:t>
+            </a:r>
+            <a:r>
+              <a:rPr lang="en-US" dirty="0"/>
+              <a:t>/</a:t>
+            </a:r>
+          </a:p>
+        </p:txBody>
+      </p:sp>
+    </p:spTree>
+    <p:extLst>
+      <p:ext uri="{BB962C8B-B14F-4D97-AF65-F5344CB8AC3E}">
         <p14:creationId xmlns:p14="http://schemas.microsoft.com/office/powerpoint/2010/main" val="3766041529"/>
       </p:ext>
     </p:extLst>
@@ -912,7 +1105,7 @@
 </p:notes>
 </file>
 
-<file path=ppt/notesSlides/notesSlide11.xml><?xml version="1.0" encoding="utf-8"?>
+<file path=ppt/notesSlides/notesSlide13.xml><?xml version="1.0" encoding="utf-8"?>
 <p:notes xmlns:a="http://schemas.openxmlformats.org/drawingml/2006/main" xmlns:r="http://schemas.openxmlformats.org/officeDocument/2006/relationships" xmlns:p="http://schemas.openxmlformats.org/presentationml/2006/main" showMasterSp="0" showMasterPhAnim="0">
   <p:cSld>
     <p:spTree>
@@ -1434,7 +1627,7 @@
     </p:spTree>
     <p:extLst>
       <p:ext uri="{BB962C8B-B14F-4D97-AF65-F5344CB8AC3E}">
-        <p14:creationId xmlns:p14="http://schemas.microsoft.com/office/powerpoint/2010/main" val="1272611319"/>
+        <p14:creationId xmlns:p14="http://schemas.microsoft.com/office/powerpoint/2010/main" val="2964426874"/>
       </p:ext>
     </p:extLst>
   </p:cSld>
@@ -1500,7 +1693,7 @@
     </p:spTree>
     <p:extLst>
       <p:ext uri="{BB962C8B-B14F-4D97-AF65-F5344CB8AC3E}">
-        <p14:creationId xmlns:p14="http://schemas.microsoft.com/office/powerpoint/2010/main" val="536918034"/>
+        <p14:creationId xmlns:p14="http://schemas.microsoft.com/office/powerpoint/2010/main" val="1935594548"/>
       </p:ext>
     </p:extLst>
   </p:cSld>
@@ -1609,7 +1802,7 @@
     </p:spTree>
     <p:extLst>
       <p:ext uri="{BB962C8B-B14F-4D97-AF65-F5344CB8AC3E}">
-        <p14:creationId xmlns:p14="http://schemas.microsoft.com/office/powerpoint/2010/main" val="1470543318"/>
+        <p14:creationId xmlns:p14="http://schemas.microsoft.com/office/powerpoint/2010/main" val="1272611319"/>
       </p:ext>
     </p:extLst>
   </p:cSld>
@@ -1668,28 +1861,14 @@
           <a:bodyPr/>
           <a:lstStyle/>
           <a:p>
-            <a:pPr marL="158750" indent="0" algn="l">
-              <a:buNone/>
-            </a:pPr>
-            <a:r>
-              <a:rPr lang="en-US" dirty="0"/>
-              <a:t>https://</a:t>
-            </a:r>
-            <a:r>
-              <a:rPr lang="en-US" dirty="0" err="1"/>
-              <a:t>www.npmjs.com</a:t>
-            </a:r>
-            <a:r>
-              <a:rPr lang="en-US" dirty="0"/>
-              <a:t>/</a:t>
-            </a:r>
+            <a:endParaRPr lang="en-US" dirty="0"/>
           </a:p>
         </p:txBody>
       </p:sp>
     </p:spTree>
     <p:extLst>
       <p:ext uri="{BB962C8B-B14F-4D97-AF65-F5344CB8AC3E}">
-        <p14:creationId xmlns:p14="http://schemas.microsoft.com/office/powerpoint/2010/main" val="688789791"/>
+        <p14:creationId xmlns:p14="http://schemas.microsoft.com/office/powerpoint/2010/main" val="536918034"/>
       </p:ext>
     </p:extLst>
   </p:cSld>
@@ -1798,7 +1977,7 @@
     </p:spTree>
     <p:extLst>
       <p:ext uri="{BB962C8B-B14F-4D97-AF65-F5344CB8AC3E}">
-        <p14:creationId xmlns:p14="http://schemas.microsoft.com/office/powerpoint/2010/main" val="1648189447"/>
+        <p14:creationId xmlns:p14="http://schemas.microsoft.com/office/powerpoint/2010/main" val="1470543318"/>
       </p:ext>
     </p:extLst>
   </p:cSld>
@@ -7642,6 +7821,11 @@
               </a:rPr>
               <a:t>Node Introduction</a:t>
             </a:r>
+            <a:endParaRPr sz="2800" dirty="0">
+              <a:solidFill>
+                <a:srgbClr val="00DFFF"/>
+              </a:solidFill>
+            </a:endParaRPr>
           </a:p>
           <a:p>
             <a:pPr marL="0" lvl="0" indent="0" algn="l" rtl="0">
@@ -7659,9 +7843,9 @@
                   <a:schemeClr val="lt1"/>
                 </a:solidFill>
               </a:rPr>
-              <a:t>Create React App</a:t>
+              <a:t>What is Node.js?</a:t>
             </a:r>
-            <a:endParaRPr lang="en-US" sz="3200" dirty="0">
+            <a:endParaRPr sz="3200" dirty="0">
               <a:solidFill>
                 <a:schemeClr val="lt1"/>
               </a:solidFill>
@@ -7714,7 +7898,7 @@
     </p:spTree>
     <p:extLst>
       <p:ext uri="{BB962C8B-B14F-4D97-AF65-F5344CB8AC3E}">
-        <p14:creationId xmlns:p14="http://schemas.microsoft.com/office/powerpoint/2010/main" val="2526793013"/>
+        <p14:creationId xmlns:p14="http://schemas.microsoft.com/office/powerpoint/2010/main" val="2252652524"/>
       </p:ext>
     </p:extLst>
   </p:cSld>
@@ -7764,7 +7948,394 @@
           <a:p>
             <a:r>
               <a:rPr lang="en-US" dirty="0"/>
-              <a:t>What is Create React App</a:t>
+              <a:t>What is Node.js?</a:t>
+            </a:r>
+          </a:p>
+        </p:txBody>
+      </p:sp>
+      <p:sp>
+        <p:nvSpPr>
+          <p:cNvPr id="3" name="Subtitle 2">
+            <a:extLst>
+              <a:ext uri="{FF2B5EF4-FFF2-40B4-BE49-F238E27FC236}">
+                <a16:creationId xmlns:a16="http://schemas.microsoft.com/office/drawing/2014/main" id="{A4EF0C6F-6CCF-760E-C1D0-D44117BEA9A6}"/>
+              </a:ext>
+            </a:extLst>
+          </p:cNvPr>
+          <p:cNvSpPr>
+            <a:spLocks noGrp="1"/>
+          </p:cNvSpPr>
+          <p:nvPr>
+            <p:ph type="subTitle" idx="1"/>
+          </p:nvPr>
+        </p:nvSpPr>
+        <p:spPr>
+          <a:xfrm>
+            <a:off x="613700" y="1028375"/>
+            <a:ext cx="7625100" cy="2334585"/>
+          </a:xfrm>
+        </p:spPr>
+        <p:txBody>
+          <a:bodyPr/>
+          <a:lstStyle/>
+          <a:p>
+            <a:pPr marL="514350" indent="-285750">
+              <a:buFont typeface="Arial" panose="020B0604020202020204" pitchFamily="34" charset="0"/>
+              <a:buChar char="•"/>
+            </a:pPr>
+            <a:r>
+              <a:rPr lang="en-US" sz="1600" dirty="0"/>
+              <a:t>Node.js is a JavaScript runtime that executes JavaScript code outside the browser</a:t>
+            </a:r>
+          </a:p>
+          <a:p>
+            <a:pPr marL="514350" indent="-285750">
+              <a:buFont typeface="Arial" panose="020B0604020202020204" pitchFamily="34" charset="0"/>
+              <a:buChar char="•"/>
+            </a:pPr>
+            <a:endParaRPr lang="en-US" sz="1600" dirty="0"/>
+          </a:p>
+          <a:p>
+            <a:pPr marL="514350" indent="-285750">
+              <a:buFont typeface="Arial" panose="020B0604020202020204" pitchFamily="34" charset="0"/>
+              <a:buChar char="•"/>
+            </a:pPr>
+            <a:r>
+              <a:rPr lang="en-US" sz="1600" dirty="0"/>
+              <a:t>Is open source, and runs on most platforms (Windows, Linux, Unix, Mac OS)</a:t>
+            </a:r>
+          </a:p>
+          <a:p>
+            <a:pPr marL="514350" indent="-285750">
+              <a:buFont typeface="Arial" panose="020B0604020202020204" pitchFamily="34" charset="0"/>
+              <a:buChar char="•"/>
+            </a:pPr>
+            <a:endParaRPr lang="en-US" sz="1600" dirty="0"/>
+          </a:p>
+          <a:p>
+            <a:pPr marL="514350" indent="-285750">
+              <a:buFont typeface="Arial" panose="020B0604020202020204" pitchFamily="34" charset="0"/>
+              <a:buChar char="•"/>
+            </a:pPr>
+            <a:r>
+              <a:rPr lang="en-US" sz="1600" dirty="0"/>
+              <a:t>Can be used to develop entire full stack web applications using only JavaScript</a:t>
+            </a:r>
+          </a:p>
+          <a:p>
+            <a:pPr marL="514350" indent="-285750">
+              <a:buFont typeface="Arial" panose="020B0604020202020204" pitchFamily="34" charset="0"/>
+              <a:buChar char="•"/>
+            </a:pPr>
+            <a:endParaRPr lang="en-US" sz="1600" dirty="0"/>
+          </a:p>
+          <a:p>
+            <a:pPr marL="514350" indent="-285750">
+              <a:buFont typeface="Arial" panose="020B0604020202020204" pitchFamily="34" charset="0"/>
+              <a:buChar char="•"/>
+            </a:pPr>
+            <a:r>
+              <a:rPr lang="en-US" sz="1600" dirty="0"/>
+              <a:t>Check currently installed version with `node –v` command</a:t>
+            </a:r>
+          </a:p>
+          <a:p>
+            <a:pPr marL="514350" indent="-285750">
+              <a:buFont typeface="Arial" panose="020B0604020202020204" pitchFamily="34" charset="0"/>
+              <a:buChar char="•"/>
+            </a:pPr>
+            <a:endParaRPr lang="en-US" sz="1600" dirty="0"/>
+          </a:p>
+          <a:p>
+            <a:pPr marL="514350" indent="-285750">
+              <a:buFont typeface="Arial" panose="020B0604020202020204" pitchFamily="34" charset="0"/>
+              <a:buChar char="•"/>
+            </a:pPr>
+            <a:endParaRPr lang="en-US" sz="1600" dirty="0"/>
+          </a:p>
+          <a:p>
+            <a:pPr marL="514350" indent="-285750">
+              <a:buFont typeface="Arial" panose="020B0604020202020204" pitchFamily="34" charset="0"/>
+              <a:buChar char="•"/>
+            </a:pPr>
+            <a:endParaRPr lang="en-US" sz="1600" dirty="0"/>
+          </a:p>
+          <a:p>
+            <a:endParaRPr lang="en-US" dirty="0"/>
+          </a:p>
+          <a:p>
+            <a:endParaRPr lang="en-US" dirty="0"/>
+          </a:p>
+        </p:txBody>
+      </p:sp>
+      <p:sp>
+        <p:nvSpPr>
+          <p:cNvPr id="4" name="Slide Number Placeholder 3">
+            <a:extLst>
+              <a:ext uri="{FF2B5EF4-FFF2-40B4-BE49-F238E27FC236}">
+                <a16:creationId xmlns:a16="http://schemas.microsoft.com/office/drawing/2014/main" id="{E420A53A-BB4C-3A78-61B8-B28EBAF58C59}"/>
+              </a:ext>
+            </a:extLst>
+          </p:cNvPr>
+          <p:cNvSpPr>
+            <a:spLocks noGrp="1"/>
+          </p:cNvSpPr>
+          <p:nvPr>
+            <p:ph type="sldNum" idx="12"/>
+          </p:nvPr>
+        </p:nvSpPr>
+        <p:spPr/>
+        <p:txBody>
+          <a:bodyPr/>
+          <a:lstStyle/>
+          <a:p>
+            <a:pPr marL="0" lvl="0" indent="0" algn="r" rtl="0">
+              <a:spcBef>
+                <a:spcPts val="0"/>
+              </a:spcBef>
+              <a:spcAft>
+                <a:spcPts val="0"/>
+              </a:spcAft>
+              <a:buNone/>
+            </a:pPr>
+            <a:fld id="{00000000-1234-1234-1234-123412341234}" type="slidenum">
+              <a:rPr lang="en" smtClean="0"/>
+              <a:t>11</a:t>
+            </a:fld>
+            <a:endParaRPr lang="en"/>
+          </a:p>
+        </p:txBody>
+      </p:sp>
+      <p:pic>
+        <p:nvPicPr>
+          <p:cNvPr id="5" name="Picture 4">
+            <a:extLst>
+              <a:ext uri="{FF2B5EF4-FFF2-40B4-BE49-F238E27FC236}">
+                <a16:creationId xmlns:a16="http://schemas.microsoft.com/office/drawing/2014/main" id="{60A46A20-018B-6076-6842-BC689DBF6A0B}"/>
+              </a:ext>
+            </a:extLst>
+          </p:cNvPr>
+          <p:cNvPicPr>
+            <a:picLocks noChangeAspect="1"/>
+          </p:cNvPicPr>
+          <p:nvPr/>
+        </p:nvPicPr>
+        <p:blipFill>
+          <a:blip r:embed="rId3"/>
+          <a:stretch>
+            <a:fillRect/>
+          </a:stretch>
+        </p:blipFill>
+        <p:spPr>
+          <a:xfrm>
+            <a:off x="3072081" y="3443380"/>
+            <a:ext cx="2708338" cy="1656600"/>
+          </a:xfrm>
+          <a:prstGeom prst="rect">
+            <a:avLst/>
+          </a:prstGeom>
+        </p:spPr>
+      </p:pic>
+    </p:spTree>
+    <p:extLst>
+      <p:ext uri="{BB962C8B-B14F-4D97-AF65-F5344CB8AC3E}">
+        <p14:creationId xmlns:p14="http://schemas.microsoft.com/office/powerpoint/2010/main" val="4256685370"/>
+      </p:ext>
+    </p:extLst>
+  </p:cSld>
+  <p:clrMapOvr>
+    <a:masterClrMapping/>
+  </p:clrMapOvr>
+</p:sld>
+</file>
+
+<file path=ppt/slides/slide12.xml><?xml version="1.0" encoding="utf-8"?>
+<p:sld xmlns:a="http://schemas.openxmlformats.org/drawingml/2006/main" xmlns:r="http://schemas.openxmlformats.org/officeDocument/2006/relationships" xmlns:p="http://schemas.openxmlformats.org/presentationml/2006/main">
+  <p:cSld>
+    <p:spTree>
+      <p:nvGrpSpPr>
+        <p:cNvPr id="1" name="Shape 146"/>
+        <p:cNvGrpSpPr/>
+        <p:nvPr/>
+      </p:nvGrpSpPr>
+      <p:grpSpPr>
+        <a:xfrm>
+          <a:off x="0" y="0"/>
+          <a:ext cx="0" cy="0"/>
+          <a:chOff x="0" y="0"/>
+          <a:chExt cx="0" cy="0"/>
+        </a:xfrm>
+      </p:grpSpPr>
+      <p:sp>
+        <p:nvSpPr>
+          <p:cNvPr id="147" name="Google Shape;147;p25"/>
+          <p:cNvSpPr txBox="1">
+            <a:spLocks noGrp="1"/>
+          </p:cNvSpPr>
+          <p:nvPr>
+            <p:ph type="title"/>
+          </p:nvPr>
+        </p:nvSpPr>
+        <p:spPr>
+          <a:xfrm>
+            <a:off x="705000" y="2516825"/>
+            <a:ext cx="8520600" cy="572700"/>
+          </a:xfrm>
+          <a:prstGeom prst="rect">
+            <a:avLst/>
+          </a:prstGeom>
+        </p:spPr>
+        <p:txBody>
+          <a:bodyPr spcFirstLastPara="1" wrap="square" lIns="91400" tIns="91400" rIns="91400" bIns="91400" anchor="b" anchorCtr="0">
+            <a:noAutofit/>
+          </a:bodyPr>
+          <a:lstStyle/>
+          <a:p>
+            <a:pPr marL="0" lvl="0" indent="0" algn="l" rtl="0">
+              <a:spcBef>
+                <a:spcPts val="0"/>
+              </a:spcBef>
+              <a:spcAft>
+                <a:spcPts val="0"/>
+              </a:spcAft>
+              <a:buNone/>
+            </a:pPr>
+            <a:r>
+              <a:rPr lang="en-US" sz="2800" dirty="0">
+                <a:solidFill>
+                  <a:srgbClr val="00DFFF"/>
+                </a:solidFill>
+              </a:rPr>
+              <a:t>Node Introduction</a:t>
+            </a:r>
+            <a:endParaRPr sz="2800" dirty="0">
+              <a:solidFill>
+                <a:srgbClr val="00DFFF"/>
+              </a:solidFill>
+            </a:endParaRPr>
+          </a:p>
+          <a:p>
+            <a:pPr marL="0" lvl="0" indent="0" algn="l" rtl="0">
+              <a:spcBef>
+                <a:spcPts val="0"/>
+              </a:spcBef>
+              <a:spcAft>
+                <a:spcPts val="0"/>
+              </a:spcAft>
+              <a:buNone/>
+            </a:pPr>
+            <a:r>
+              <a:rPr lang="en" sz="3200" dirty="0">
+                <a:solidFill>
+                  <a:schemeClr val="lt1"/>
+                </a:solidFill>
+              </a:rPr>
+              <a:t>What is NPM?</a:t>
+            </a:r>
+            <a:endParaRPr sz="3200" dirty="0">
+              <a:solidFill>
+                <a:schemeClr val="lt1"/>
+              </a:solidFill>
+            </a:endParaRPr>
+          </a:p>
+        </p:txBody>
+      </p:sp>
+      <p:sp>
+        <p:nvSpPr>
+          <p:cNvPr id="149" name="Google Shape;149;p25"/>
+          <p:cNvSpPr txBox="1">
+            <a:spLocks noGrp="1"/>
+          </p:cNvSpPr>
+          <p:nvPr>
+            <p:ph type="sldNum" idx="12"/>
+          </p:nvPr>
+        </p:nvSpPr>
+        <p:spPr>
+          <a:xfrm>
+            <a:off x="8556784" y="4749851"/>
+            <a:ext cx="548700" cy="393600"/>
+          </a:xfrm>
+          <a:prstGeom prst="rect">
+            <a:avLst/>
+          </a:prstGeom>
+        </p:spPr>
+        <p:txBody>
+          <a:bodyPr spcFirstLastPara="1" wrap="square" lIns="91425" tIns="91425" rIns="91425" bIns="91425" anchor="t" anchorCtr="0">
+            <a:noAutofit/>
+          </a:bodyPr>
+          <a:lstStyle/>
+          <a:p>
+            <a:pPr marL="0" lvl="0" indent="0" algn="r" rtl="0">
+              <a:spcBef>
+                <a:spcPts val="0"/>
+              </a:spcBef>
+              <a:spcAft>
+                <a:spcPts val="0"/>
+              </a:spcAft>
+              <a:buNone/>
+            </a:pPr>
+            <a:fld id="{00000000-1234-1234-1234-123412341234}" type="slidenum">
+              <a:rPr lang="en"/>
+              <a:t>12</a:t>
+            </a:fld>
+            <a:endParaRPr/>
+          </a:p>
+        </p:txBody>
+      </p:sp>
+    </p:spTree>
+    <p:extLst>
+      <p:ext uri="{BB962C8B-B14F-4D97-AF65-F5344CB8AC3E}">
+        <p14:creationId xmlns:p14="http://schemas.microsoft.com/office/powerpoint/2010/main" val="3508383901"/>
+      </p:ext>
+    </p:extLst>
+  </p:cSld>
+  <p:clrMapOvr>
+    <a:masterClrMapping/>
+  </p:clrMapOvr>
+</p:sld>
+</file>
+
+<file path=ppt/slides/slide13.xml><?xml version="1.0" encoding="utf-8"?>
+<p:sld xmlns:a="http://schemas.openxmlformats.org/drawingml/2006/main" xmlns:r="http://schemas.openxmlformats.org/officeDocument/2006/relationships" xmlns:p="http://schemas.openxmlformats.org/presentationml/2006/main">
+  <p:cSld>
+    <p:spTree>
+      <p:nvGrpSpPr>
+        <p:cNvPr id="1" name=""/>
+        <p:cNvGrpSpPr/>
+        <p:nvPr/>
+      </p:nvGrpSpPr>
+      <p:grpSpPr>
+        <a:xfrm>
+          <a:off x="0" y="0"/>
+          <a:ext cx="0" cy="0"/>
+          <a:chOff x="0" y="0"/>
+          <a:chExt cx="0" cy="0"/>
+        </a:xfrm>
+      </p:grpSpPr>
+      <p:sp>
+        <p:nvSpPr>
+          <p:cNvPr id="2" name="Title 1">
+            <a:extLst>
+              <a:ext uri="{FF2B5EF4-FFF2-40B4-BE49-F238E27FC236}">
+                <a16:creationId xmlns:a16="http://schemas.microsoft.com/office/drawing/2014/main" id="{96A5B752-8524-64D9-9E14-58DA0579328E}"/>
+              </a:ext>
+            </a:extLst>
+          </p:cNvPr>
+          <p:cNvSpPr>
+            <a:spLocks noGrp="1"/>
+          </p:cNvSpPr>
+          <p:nvPr>
+            <p:ph type="title"/>
+          </p:nvPr>
+        </p:nvSpPr>
+        <p:spPr/>
+        <p:txBody>
+          <a:bodyPr/>
+          <a:lstStyle/>
+          <a:p>
+            <a:r>
+              <a:rPr lang="en-US" dirty="0"/>
+              <a:t>What is NPM?</a:t>
             </a:r>
           </a:p>
         </p:txBody>
@@ -7801,7 +8372,7 @@
             </a:pPr>
             <a:r>
               <a:rPr lang="en-US" sz="1600" dirty="0"/>
-              <a:t>Create React App is a command line tool for quickly generating new React applications pre-configured tools such as webpack and Babel</a:t>
+              <a:t>NPM (Node Package Manager) is the default package manager for Node.js, included with installation</a:t>
             </a:r>
           </a:p>
           <a:p>
@@ -7818,8 +8389,55 @@
             </a:pPr>
             <a:r>
               <a:rPr lang="en-US" sz="1600" dirty="0"/>
-              <a:t>Includes a development server useful for seeing local changes update to apps reflected in real time</a:t>
+              <a:t>Is a command line tool that can be used to install packages from the </a:t>
             </a:r>
+            <a:r>
+              <a:rPr lang="en-US" sz="1600" dirty="0" err="1"/>
+              <a:t>npm</a:t>
+            </a:r>
+            <a:r>
+              <a:rPr lang="en-US" sz="1600" dirty="0"/>
+              <a:t> registry</a:t>
+            </a:r>
+          </a:p>
+          <a:p>
+            <a:pPr marL="514350" indent="-285750">
+              <a:buFont typeface="Arial" panose="020B0604020202020204" pitchFamily="34" charset="0"/>
+              <a:buChar char="•"/>
+            </a:pPr>
+            <a:endParaRPr lang="en-US" sz="1600" dirty="0"/>
+          </a:p>
+          <a:p>
+            <a:pPr marL="514350" indent="-285750">
+              <a:buFont typeface="Arial" panose="020B0604020202020204" pitchFamily="34" charset="0"/>
+              <a:buChar char="•"/>
+            </a:pPr>
+            <a:r>
+              <a:rPr lang="en-US" sz="1600" dirty="0"/>
+              <a:t>Check currently installed version with `</a:t>
+            </a:r>
+            <a:r>
+              <a:rPr lang="en-US" sz="1600" dirty="0" err="1"/>
+              <a:t>npm</a:t>
+            </a:r>
+            <a:r>
+              <a:rPr lang="en-US" sz="1600" dirty="0"/>
+              <a:t> –v` command</a:t>
+            </a:r>
+          </a:p>
+          <a:p>
+            <a:pPr marL="514350" indent="-285750">
+              <a:buFont typeface="Arial" panose="020B0604020202020204" pitchFamily="34" charset="0"/>
+              <a:buChar char="•"/>
+            </a:pPr>
+            <a:endParaRPr lang="en-US" sz="1600" dirty="0"/>
+          </a:p>
+          <a:p>
+            <a:pPr marL="514350" indent="-285750">
+              <a:buFont typeface="Arial" panose="020B0604020202020204" pitchFamily="34" charset="0"/>
+              <a:buChar char="•"/>
+            </a:pPr>
+            <a:endParaRPr lang="en-US" sz="1600" dirty="0"/>
           </a:p>
           <a:p>
             <a:pPr marL="514350" indent="-285750">
@@ -7875,7 +8493,348 @@
             </a:pPr>
             <a:fld id="{00000000-1234-1234-1234-123412341234}" type="slidenum">
               <a:rPr lang="en" smtClean="0"/>
-              <a:t>11</a:t>
+              <a:t>13</a:t>
+            </a:fld>
+            <a:endParaRPr lang="en"/>
+          </a:p>
+        </p:txBody>
+      </p:sp>
+      <p:pic>
+        <p:nvPicPr>
+          <p:cNvPr id="6" name="Picture 5">
+            <a:extLst>
+              <a:ext uri="{FF2B5EF4-FFF2-40B4-BE49-F238E27FC236}">
+                <a16:creationId xmlns:a16="http://schemas.microsoft.com/office/drawing/2014/main" id="{EFD3A6B0-03AE-C7EB-B339-10A232AB442B}"/>
+              </a:ext>
+            </a:extLst>
+          </p:cNvPr>
+          <p:cNvPicPr>
+            <a:picLocks noChangeAspect="1"/>
+          </p:cNvPicPr>
+          <p:nvPr/>
+        </p:nvPicPr>
+        <p:blipFill>
+          <a:blip r:embed="rId3"/>
+          <a:stretch>
+            <a:fillRect/>
+          </a:stretch>
+        </p:blipFill>
+        <p:spPr>
+          <a:xfrm>
+            <a:off x="2297760" y="3093176"/>
+            <a:ext cx="4256980" cy="1656675"/>
+          </a:xfrm>
+          <a:prstGeom prst="rect">
+            <a:avLst/>
+          </a:prstGeom>
+        </p:spPr>
+      </p:pic>
+    </p:spTree>
+    <p:extLst>
+      <p:ext uri="{BB962C8B-B14F-4D97-AF65-F5344CB8AC3E}">
+        <p14:creationId xmlns:p14="http://schemas.microsoft.com/office/powerpoint/2010/main" val="1826935820"/>
+      </p:ext>
+    </p:extLst>
+  </p:cSld>
+  <p:clrMapOvr>
+    <a:masterClrMapping/>
+  </p:clrMapOvr>
+</p:sld>
+</file>
+
+<file path=ppt/slides/slide14.xml><?xml version="1.0" encoding="utf-8"?>
+<p:sld xmlns:a="http://schemas.openxmlformats.org/drawingml/2006/main" xmlns:r="http://schemas.openxmlformats.org/officeDocument/2006/relationships" xmlns:p="http://schemas.openxmlformats.org/presentationml/2006/main">
+  <p:cSld>
+    <p:spTree>
+      <p:nvGrpSpPr>
+        <p:cNvPr id="1" name="Shape 146"/>
+        <p:cNvGrpSpPr/>
+        <p:nvPr/>
+      </p:nvGrpSpPr>
+      <p:grpSpPr>
+        <a:xfrm>
+          <a:off x="0" y="0"/>
+          <a:ext cx="0" cy="0"/>
+          <a:chOff x="0" y="0"/>
+          <a:chExt cx="0" cy="0"/>
+        </a:xfrm>
+      </p:grpSpPr>
+      <p:sp>
+        <p:nvSpPr>
+          <p:cNvPr id="147" name="Google Shape;147;p25"/>
+          <p:cNvSpPr txBox="1">
+            <a:spLocks noGrp="1"/>
+          </p:cNvSpPr>
+          <p:nvPr>
+            <p:ph type="title"/>
+          </p:nvPr>
+        </p:nvSpPr>
+        <p:spPr>
+          <a:xfrm>
+            <a:off x="705000" y="2516825"/>
+            <a:ext cx="8520600" cy="572700"/>
+          </a:xfrm>
+          <a:prstGeom prst="rect">
+            <a:avLst/>
+          </a:prstGeom>
+        </p:spPr>
+        <p:txBody>
+          <a:bodyPr spcFirstLastPara="1" wrap="square" lIns="91400" tIns="91400" rIns="91400" bIns="91400" anchor="b" anchorCtr="0">
+            <a:noAutofit/>
+          </a:bodyPr>
+          <a:lstStyle/>
+          <a:p>
+            <a:pPr marL="0" lvl="0" indent="0" algn="l" rtl="0">
+              <a:spcBef>
+                <a:spcPts val="0"/>
+              </a:spcBef>
+              <a:spcAft>
+                <a:spcPts val="0"/>
+              </a:spcAft>
+              <a:buNone/>
+            </a:pPr>
+            <a:r>
+              <a:rPr lang="en-US" sz="2800" dirty="0">
+                <a:solidFill>
+                  <a:srgbClr val="00DFFF"/>
+                </a:solidFill>
+              </a:rPr>
+              <a:t>Node Introduction</a:t>
+            </a:r>
+          </a:p>
+          <a:p>
+            <a:pPr marL="0" lvl="0" indent="0" algn="l" rtl="0">
+              <a:spcBef>
+                <a:spcPts val="0"/>
+              </a:spcBef>
+              <a:spcAft>
+                <a:spcPts val="0"/>
+              </a:spcAft>
+              <a:buNone/>
+            </a:pPr>
+            <a:r>
+              <a:rPr lang="en" sz="3200" dirty="0">
+                <a:solidFill>
+                  <a:schemeClr val="lt1"/>
+                </a:solidFill>
+              </a:rPr>
+              <a:t>Create React App</a:t>
+            </a:r>
+            <a:endParaRPr lang="en-US" sz="3200" dirty="0">
+              <a:solidFill>
+                <a:schemeClr val="lt1"/>
+              </a:solidFill>
+            </a:endParaRPr>
+          </a:p>
+        </p:txBody>
+      </p:sp>
+      <p:sp>
+        <p:nvSpPr>
+          <p:cNvPr id="149" name="Google Shape;149;p25"/>
+          <p:cNvSpPr txBox="1">
+            <a:spLocks noGrp="1"/>
+          </p:cNvSpPr>
+          <p:nvPr>
+            <p:ph type="sldNum" idx="12"/>
+          </p:nvPr>
+        </p:nvSpPr>
+        <p:spPr>
+          <a:xfrm>
+            <a:off x="8556784" y="4749851"/>
+            <a:ext cx="548700" cy="393600"/>
+          </a:xfrm>
+          <a:prstGeom prst="rect">
+            <a:avLst/>
+          </a:prstGeom>
+        </p:spPr>
+        <p:txBody>
+          <a:bodyPr spcFirstLastPara="1" wrap="square" lIns="91425" tIns="91425" rIns="91425" bIns="91425" anchor="t" anchorCtr="0">
+            <a:noAutofit/>
+          </a:bodyPr>
+          <a:lstStyle/>
+          <a:p>
+            <a:pPr marL="0" lvl="0" indent="0" algn="r" rtl="0">
+              <a:spcBef>
+                <a:spcPts val="0"/>
+              </a:spcBef>
+              <a:spcAft>
+                <a:spcPts val="0"/>
+              </a:spcAft>
+              <a:buNone/>
+            </a:pPr>
+            <a:fld id="{00000000-1234-1234-1234-123412341234}" type="slidenum">
+              <a:rPr lang="en"/>
+              <a:t>14</a:t>
+            </a:fld>
+            <a:endParaRPr/>
+          </a:p>
+        </p:txBody>
+      </p:sp>
+    </p:spTree>
+    <p:extLst>
+      <p:ext uri="{BB962C8B-B14F-4D97-AF65-F5344CB8AC3E}">
+        <p14:creationId xmlns:p14="http://schemas.microsoft.com/office/powerpoint/2010/main" val="2526793013"/>
+      </p:ext>
+    </p:extLst>
+  </p:cSld>
+  <p:clrMapOvr>
+    <a:masterClrMapping/>
+  </p:clrMapOvr>
+</p:sld>
+</file>
+
+<file path=ppt/slides/slide15.xml><?xml version="1.0" encoding="utf-8"?>
+<p:sld xmlns:a="http://schemas.openxmlformats.org/drawingml/2006/main" xmlns:r="http://schemas.openxmlformats.org/officeDocument/2006/relationships" xmlns:p="http://schemas.openxmlformats.org/presentationml/2006/main">
+  <p:cSld>
+    <p:spTree>
+      <p:nvGrpSpPr>
+        <p:cNvPr id="1" name=""/>
+        <p:cNvGrpSpPr/>
+        <p:nvPr/>
+      </p:nvGrpSpPr>
+      <p:grpSpPr>
+        <a:xfrm>
+          <a:off x="0" y="0"/>
+          <a:ext cx="0" cy="0"/>
+          <a:chOff x="0" y="0"/>
+          <a:chExt cx="0" cy="0"/>
+        </a:xfrm>
+      </p:grpSpPr>
+      <p:sp>
+        <p:nvSpPr>
+          <p:cNvPr id="2" name="Title 1">
+            <a:extLst>
+              <a:ext uri="{FF2B5EF4-FFF2-40B4-BE49-F238E27FC236}">
+                <a16:creationId xmlns:a16="http://schemas.microsoft.com/office/drawing/2014/main" id="{96A5B752-8524-64D9-9E14-58DA0579328E}"/>
+              </a:ext>
+            </a:extLst>
+          </p:cNvPr>
+          <p:cNvSpPr>
+            <a:spLocks noGrp="1"/>
+          </p:cNvSpPr>
+          <p:nvPr>
+            <p:ph type="title"/>
+          </p:nvPr>
+        </p:nvSpPr>
+        <p:spPr/>
+        <p:txBody>
+          <a:bodyPr/>
+          <a:lstStyle/>
+          <a:p>
+            <a:r>
+              <a:rPr lang="en-US" dirty="0"/>
+              <a:t>What is Create React App</a:t>
+            </a:r>
+          </a:p>
+        </p:txBody>
+      </p:sp>
+      <p:sp>
+        <p:nvSpPr>
+          <p:cNvPr id="3" name="Subtitle 2">
+            <a:extLst>
+              <a:ext uri="{FF2B5EF4-FFF2-40B4-BE49-F238E27FC236}">
+                <a16:creationId xmlns:a16="http://schemas.microsoft.com/office/drawing/2014/main" id="{A4EF0C6F-6CCF-760E-C1D0-D44117BEA9A6}"/>
+              </a:ext>
+            </a:extLst>
+          </p:cNvPr>
+          <p:cNvSpPr>
+            <a:spLocks noGrp="1"/>
+          </p:cNvSpPr>
+          <p:nvPr>
+            <p:ph type="subTitle" idx="1"/>
+          </p:nvPr>
+        </p:nvSpPr>
+        <p:spPr>
+          <a:xfrm>
+            <a:off x="613700" y="1028375"/>
+            <a:ext cx="7625100" cy="1968825"/>
+          </a:xfrm>
+        </p:spPr>
+        <p:txBody>
+          <a:bodyPr/>
+          <a:lstStyle/>
+          <a:p>
+            <a:pPr marL="514350" indent="-285750">
+              <a:buFont typeface="Arial" panose="020B0604020202020204" pitchFamily="34" charset="0"/>
+              <a:buChar char="•"/>
+            </a:pPr>
+            <a:r>
+              <a:rPr lang="en-US" sz="1600" dirty="0"/>
+              <a:t>Create React App is a command line tool for quickly generating new React applications pre-configured tools such as webpack and Babel</a:t>
+            </a:r>
+          </a:p>
+          <a:p>
+            <a:pPr marL="514350" indent="-285750">
+              <a:buFont typeface="Arial" panose="020B0604020202020204" pitchFamily="34" charset="0"/>
+              <a:buChar char="•"/>
+            </a:pPr>
+            <a:endParaRPr lang="en-US" sz="1600" dirty="0"/>
+          </a:p>
+          <a:p>
+            <a:pPr marL="514350" indent="-285750">
+              <a:buFont typeface="Arial" panose="020B0604020202020204" pitchFamily="34" charset="0"/>
+              <a:buChar char="•"/>
+            </a:pPr>
+            <a:r>
+              <a:rPr lang="en-US" sz="1600" dirty="0"/>
+              <a:t>Includes a development server useful for seeing local changes update to apps reflected in real time</a:t>
+            </a:r>
+          </a:p>
+          <a:p>
+            <a:pPr marL="514350" indent="-285750">
+              <a:buFont typeface="Arial" panose="020B0604020202020204" pitchFamily="34" charset="0"/>
+              <a:buChar char="•"/>
+            </a:pPr>
+            <a:endParaRPr lang="en-US" sz="1600" dirty="0"/>
+          </a:p>
+          <a:p>
+            <a:pPr marL="514350" indent="-285750">
+              <a:buFont typeface="Arial" panose="020B0604020202020204" pitchFamily="34" charset="0"/>
+              <a:buChar char="•"/>
+            </a:pPr>
+            <a:endParaRPr lang="en-US" sz="1600" dirty="0"/>
+          </a:p>
+          <a:p>
+            <a:endParaRPr lang="en-US" dirty="0"/>
+          </a:p>
+          <a:p>
+            <a:endParaRPr lang="en-US" dirty="0"/>
+          </a:p>
+        </p:txBody>
+      </p:sp>
+      <p:sp>
+        <p:nvSpPr>
+          <p:cNvPr id="4" name="Slide Number Placeholder 3">
+            <a:extLst>
+              <a:ext uri="{FF2B5EF4-FFF2-40B4-BE49-F238E27FC236}">
+                <a16:creationId xmlns:a16="http://schemas.microsoft.com/office/drawing/2014/main" id="{E420A53A-BB4C-3A78-61B8-B28EBAF58C59}"/>
+              </a:ext>
+            </a:extLst>
+          </p:cNvPr>
+          <p:cNvSpPr>
+            <a:spLocks noGrp="1"/>
+          </p:cNvSpPr>
+          <p:nvPr>
+            <p:ph type="sldNum" idx="12"/>
+          </p:nvPr>
+        </p:nvSpPr>
+        <p:spPr/>
+        <p:txBody>
+          <a:bodyPr/>
+          <a:lstStyle/>
+          <a:p>
+            <a:pPr marL="0" lvl="0" indent="0" algn="r" rtl="0">
+              <a:spcBef>
+                <a:spcPts val="0"/>
+              </a:spcBef>
+              <a:spcAft>
+                <a:spcPts val="0"/>
+              </a:spcAft>
+              <a:buNone/>
+            </a:pPr>
+            <a:fld id="{00000000-1234-1234-1234-123412341234}" type="slidenum">
+              <a:rPr lang="en" smtClean="0"/>
+              <a:t>15</a:t>
             </a:fld>
             <a:endParaRPr lang="en"/>
           </a:p>
@@ -7924,7 +8883,7 @@
 </p:sld>
 </file>
 
-<file path=ppt/slides/slide12.xml><?xml version="1.0" encoding="utf-8"?>
+<file path=ppt/slides/slide16.xml><?xml version="1.0" encoding="utf-8"?>
 <p:sld xmlns:a="http://schemas.openxmlformats.org/drawingml/2006/main" xmlns:r="http://schemas.openxmlformats.org/officeDocument/2006/relationships" xmlns:p="http://schemas.openxmlformats.org/presentationml/2006/main">
   <p:cSld>
     <p:bg>
@@ -8367,7 +9326,7 @@
             </a:pPr>
             <a:fld id="{00000000-1234-1234-1234-123412341234}" type="slidenum">
               <a:rPr lang="en"/>
-              <a:t>12</a:t>
+              <a:t>16</a:t>
             </a:fld>
             <a:endParaRPr/>
           </a:p>
@@ -8499,6 +9458,18 @@
             </a:pPr>
             <a:r>
               <a:rPr lang="en-US" dirty="0"/>
+              <a:t>JSX</a:t>
+            </a:r>
+          </a:p>
+          <a:p>
+            <a:pPr lvl="1" indent="-323850">
+              <a:lnSpc>
+                <a:spcPct val="150000"/>
+              </a:lnSpc>
+              <a:buChar char="●"/>
+            </a:pPr>
+            <a:r>
+              <a:rPr lang="en-US" dirty="0"/>
               <a:t>Node.js</a:t>
             </a:r>
           </a:p>
@@ -9525,8 +10496,8 @@
         </p:nvSpPr>
         <p:spPr>
           <a:xfrm>
-            <a:off x="705000" y="2516825"/>
-            <a:ext cx="8520600" cy="572700"/>
+            <a:off x="705000" y="3092779"/>
+            <a:ext cx="4181696" cy="572700"/>
           </a:xfrm>
           <a:prstGeom prst="rect">
             <a:avLst/>
@@ -9553,7 +10524,7 @@
                   <a:srgbClr val="00DFFF"/>
                 </a:solidFill>
               </a:rPr>
-              <a:t>Node Introduction</a:t>
+              <a:t>React Introduction</a:t>
             </a:r>
             <a:endParaRPr sz="2800" dirty="0">
               <a:solidFill>
@@ -9572,14 +10543,14 @@
               <a:buNone/>
             </a:pPr>
             <a:r>
-              <a:rPr lang="en" sz="3200" dirty="0">
+              <a:rPr lang="en" sz="3600" dirty="0">
                 <a:solidFill>
                   <a:schemeClr val="lt1"/>
                 </a:solidFill>
               </a:rPr>
-              <a:t>What is Node.js?</a:t>
+              <a:t>Getting Started with React</a:t>
             </a:r>
-            <a:endParaRPr sz="3200" dirty="0">
+            <a:endParaRPr sz="3600" dirty="0">
               <a:solidFill>
                 <a:schemeClr val="lt1"/>
               </a:solidFill>
@@ -9632,7 +10603,7 @@
     </p:spTree>
     <p:extLst>
       <p:ext uri="{BB962C8B-B14F-4D97-AF65-F5344CB8AC3E}">
-        <p14:creationId xmlns:p14="http://schemas.microsoft.com/office/powerpoint/2010/main" val="2252652524"/>
+        <p14:creationId xmlns:p14="http://schemas.microsoft.com/office/powerpoint/2010/main" val="2686241202"/>
       </p:ext>
     </p:extLst>
   </p:cSld>
@@ -9682,7 +10653,7 @@
           <a:p>
             <a:r>
               <a:rPr lang="en-US" dirty="0"/>
-              <a:t>What is Node.js?</a:t>
+              <a:t>Getting Started with React</a:t>
             </a:r>
           </a:p>
         </p:txBody>
@@ -9706,7 +10677,7 @@
         <p:spPr>
           <a:xfrm>
             <a:off x="613700" y="1028375"/>
-            <a:ext cx="7625100" cy="2334585"/>
+            <a:ext cx="7625100" cy="1150747"/>
           </a:xfrm>
         </p:spPr>
         <p:txBody>
@@ -9719,7 +10690,7 @@
             </a:pPr>
             <a:r>
               <a:rPr lang="en-US" sz="1600" dirty="0"/>
-              <a:t>Node.js is a JavaScript runtime that executes JavaScript code outside the browser</a:t>
+              <a:t>Typically, developers will initialize new projects using a generator such Create React App</a:t>
             </a:r>
           </a:p>
           <a:p>
@@ -9736,63 +10707,8 @@
             </a:pPr>
             <a:r>
               <a:rPr lang="en-US" sz="1600" dirty="0"/>
-              <a:t>Is open source, and runs on most platforms (Windows, Linux, Unix, Mac OS)</a:t>
+              <a:t>A minimum version of React can be added to an HTML page via CDN </a:t>
             </a:r>
-          </a:p>
-          <a:p>
-            <a:pPr marL="514350" indent="-285750">
-              <a:buFont typeface="Arial" panose="020B0604020202020204" pitchFamily="34" charset="0"/>
-              <a:buChar char="•"/>
-            </a:pPr>
-            <a:endParaRPr lang="en-US" sz="1600" dirty="0"/>
-          </a:p>
-          <a:p>
-            <a:pPr marL="514350" indent="-285750">
-              <a:buFont typeface="Arial" panose="020B0604020202020204" pitchFamily="34" charset="0"/>
-              <a:buChar char="•"/>
-            </a:pPr>
-            <a:r>
-              <a:rPr lang="en-US" sz="1600" dirty="0"/>
-              <a:t>Can be used to develop entire full stack web applications using only JavaScript</a:t>
-            </a:r>
-          </a:p>
-          <a:p>
-            <a:pPr marL="514350" indent="-285750">
-              <a:buFont typeface="Arial" panose="020B0604020202020204" pitchFamily="34" charset="0"/>
-              <a:buChar char="•"/>
-            </a:pPr>
-            <a:endParaRPr lang="en-US" sz="1600" dirty="0"/>
-          </a:p>
-          <a:p>
-            <a:pPr marL="514350" indent="-285750">
-              <a:buFont typeface="Arial" panose="020B0604020202020204" pitchFamily="34" charset="0"/>
-              <a:buChar char="•"/>
-            </a:pPr>
-            <a:r>
-              <a:rPr lang="en-US" sz="1600" dirty="0"/>
-              <a:t>Check currently installed version with `node –v` command</a:t>
-            </a:r>
-          </a:p>
-          <a:p>
-            <a:pPr marL="514350" indent="-285750">
-              <a:buFont typeface="Arial" panose="020B0604020202020204" pitchFamily="34" charset="0"/>
-              <a:buChar char="•"/>
-            </a:pPr>
-            <a:endParaRPr lang="en-US" sz="1600" dirty="0"/>
-          </a:p>
-          <a:p>
-            <a:pPr marL="514350" indent="-285750">
-              <a:buFont typeface="Arial" panose="020B0604020202020204" pitchFamily="34" charset="0"/>
-              <a:buChar char="•"/>
-            </a:pPr>
-            <a:endParaRPr lang="en-US" sz="1600" dirty="0"/>
-          </a:p>
-          <a:p>
-            <a:pPr marL="514350" indent="-285750">
-              <a:buFont typeface="Arial" panose="020B0604020202020204" pitchFamily="34" charset="0"/>
-              <a:buChar char="•"/>
-            </a:pPr>
-            <a:endParaRPr lang="en-US" sz="1600" dirty="0"/>
           </a:p>
           <a:p>
             <a:endParaRPr lang="en-US" dirty="0"/>
@@ -9842,10 +10758,10 @@
       </p:sp>
       <p:pic>
         <p:nvPicPr>
-          <p:cNvPr id="5" name="Picture 4">
+          <p:cNvPr id="8" name="Graphic 7">
             <a:extLst>
               <a:ext uri="{FF2B5EF4-FFF2-40B4-BE49-F238E27FC236}">
-                <a16:creationId xmlns:a16="http://schemas.microsoft.com/office/drawing/2014/main" id="{60A46A20-018B-6076-6842-BC689DBF6A0B}"/>
+                <a16:creationId xmlns:a16="http://schemas.microsoft.com/office/drawing/2014/main" id="{3BD02068-AAE3-3D66-94C3-147FE36EF835}"/>
               </a:ext>
             </a:extLst>
           </p:cNvPr>
@@ -9855,15 +10771,21 @@
           <p:nvPr/>
         </p:nvPicPr>
         <p:blipFill>
-          <a:blip r:embed="rId3"/>
+          <a:blip r:embed="rId3">
+            <a:extLst>
+              <a:ext uri="{96DAC541-7B7A-43D3-8B79-37D633B846F1}">
+                <asvg:svgBlip xmlns:asvg="http://schemas.microsoft.com/office/drawing/2016/SVG/main" r:embed="rId4"/>
+              </a:ext>
+            </a:extLst>
+          </a:blip>
           <a:stretch>
             <a:fillRect/>
           </a:stretch>
         </p:blipFill>
         <p:spPr>
           <a:xfrm>
-            <a:off x="3072081" y="3443380"/>
-            <a:ext cx="2708338" cy="1656600"/>
+            <a:off x="2845110" y="2465937"/>
+            <a:ext cx="3453779" cy="2511307"/>
           </a:xfrm>
           <a:prstGeom prst="rect">
             <a:avLst/>
@@ -9873,7 +10795,7 @@
     </p:spTree>
     <p:extLst>
       <p:ext uri="{BB962C8B-B14F-4D97-AF65-F5344CB8AC3E}">
-        <p14:creationId xmlns:p14="http://schemas.microsoft.com/office/powerpoint/2010/main" val="4256685370"/>
+        <p14:creationId xmlns:p14="http://schemas.microsoft.com/office/powerpoint/2010/main" val="1322411059"/>
       </p:ext>
     </p:extLst>
   </p:cSld>
@@ -9888,7 +10810,7 @@
   <p:cSld>
     <p:spTree>
       <p:nvGrpSpPr>
-        <p:cNvPr id="1" name="Shape 146"/>
+        <p:cNvPr id="1" name=""/>
         <p:cNvGrpSpPr/>
         <p:nvPr/>
       </p:nvGrpSpPr>
@@ -9902,124 +10824,218 @@
       </p:grpSpPr>
       <p:sp>
         <p:nvSpPr>
-          <p:cNvPr id="147" name="Google Shape;147;p25"/>
-          <p:cNvSpPr txBox="1">
+          <p:cNvPr id="2" name="Title 1">
+            <a:extLst>
+              <a:ext uri="{FF2B5EF4-FFF2-40B4-BE49-F238E27FC236}">
+                <a16:creationId xmlns:a16="http://schemas.microsoft.com/office/drawing/2014/main" id="{ACFE0798-F53A-2F09-B79B-B3AD03FE4FA2}"/>
+              </a:ext>
+            </a:extLst>
+          </p:cNvPr>
+          <p:cNvSpPr>
             <a:spLocks noGrp="1"/>
           </p:cNvSpPr>
           <p:nvPr>
             <p:ph type="title"/>
           </p:nvPr>
         </p:nvSpPr>
-        <p:spPr>
-          <a:xfrm>
-            <a:off x="705000" y="2516825"/>
-            <a:ext cx="8520600" cy="572700"/>
-          </a:xfrm>
-          <a:prstGeom prst="rect">
-            <a:avLst/>
-          </a:prstGeom>
-        </p:spPr>
+        <p:spPr/>
         <p:txBody>
-          <a:bodyPr spcFirstLastPara="1" wrap="square" lIns="91400" tIns="91400" rIns="91400" bIns="91400" anchor="b" anchorCtr="0">
-            <a:noAutofit/>
-          </a:bodyPr>
+          <a:bodyPr/>
           <a:lstStyle/>
           <a:p>
-            <a:pPr marL="0" lvl="0" indent="0" algn="l" rtl="0">
-              <a:spcBef>
-                <a:spcPts val="0"/>
-              </a:spcBef>
-              <a:spcAft>
-                <a:spcPts val="0"/>
-              </a:spcAft>
-              <a:buNone/>
-            </a:pPr>
             <a:r>
-              <a:rPr lang="en-US" sz="2800" dirty="0">
-                <a:solidFill>
-                  <a:srgbClr val="00DFFF"/>
-                </a:solidFill>
-              </a:rPr>
-              <a:t>Node Introduction</a:t>
+              <a:rPr lang="en-US" dirty="0"/>
+              <a:t>What’s a Component?</a:t>
             </a:r>
-            <a:endParaRPr sz="2800" dirty="0">
-              <a:solidFill>
-                <a:srgbClr val="00DFFF"/>
-              </a:solidFill>
-            </a:endParaRPr>
-          </a:p>
-          <a:p>
-            <a:pPr marL="0" lvl="0" indent="0" algn="l" rtl="0">
-              <a:spcBef>
-                <a:spcPts val="0"/>
-              </a:spcBef>
-              <a:spcAft>
-                <a:spcPts val="0"/>
-              </a:spcAft>
-              <a:buNone/>
-            </a:pPr>
-            <a:r>
-              <a:rPr lang="en" sz="3200" dirty="0">
-                <a:solidFill>
-                  <a:schemeClr val="lt1"/>
-                </a:solidFill>
-              </a:rPr>
-              <a:t>What is NPM?</a:t>
-            </a:r>
-            <a:endParaRPr sz="3200" dirty="0">
-              <a:solidFill>
-                <a:schemeClr val="lt1"/>
-              </a:solidFill>
-            </a:endParaRPr>
           </a:p>
         </p:txBody>
       </p:sp>
       <p:sp>
         <p:nvSpPr>
-          <p:cNvPr id="149" name="Google Shape;149;p25"/>
-          <p:cNvSpPr txBox="1">
+          <p:cNvPr id="4" name="Slide Number Placeholder 3">
+            <a:extLst>
+              <a:ext uri="{FF2B5EF4-FFF2-40B4-BE49-F238E27FC236}">
+                <a16:creationId xmlns:a16="http://schemas.microsoft.com/office/drawing/2014/main" id="{0A5710DD-A947-3F31-9A1B-E7898FA963BA}"/>
+              </a:ext>
+            </a:extLst>
+          </p:cNvPr>
+          <p:cNvSpPr>
             <a:spLocks noGrp="1"/>
           </p:cNvSpPr>
           <p:nvPr>
             <p:ph type="sldNum" idx="12"/>
           </p:nvPr>
         </p:nvSpPr>
+        <p:spPr/>
+        <p:txBody>
+          <a:bodyPr/>
+          <a:lstStyle/>
+          <a:p>
+            <a:pPr marL="0" lvl="0" indent="0" algn="r" rtl="0">
+              <a:spcBef>
+                <a:spcPts val="0"/>
+              </a:spcBef>
+              <a:spcAft>
+                <a:spcPts val="0"/>
+              </a:spcAft>
+              <a:buNone/>
+            </a:pPr>
+            <a:fld id="{00000000-1234-1234-1234-123412341234}" type="slidenum">
+              <a:rPr lang="en" smtClean="0"/>
+              <a:t>8</a:t>
+            </a:fld>
+            <a:endParaRPr lang="en"/>
+          </a:p>
+        </p:txBody>
+      </p:sp>
+      <p:pic>
+        <p:nvPicPr>
+          <p:cNvPr id="5" name="Picture 4">
+            <a:extLst>
+              <a:ext uri="{FF2B5EF4-FFF2-40B4-BE49-F238E27FC236}">
+                <a16:creationId xmlns:a16="http://schemas.microsoft.com/office/drawing/2014/main" id="{F96499A0-83CC-B398-B3B8-525DAA489E62}"/>
+              </a:ext>
+            </a:extLst>
+          </p:cNvPr>
+          <p:cNvPicPr>
+            <a:picLocks noChangeAspect="1"/>
+          </p:cNvPicPr>
+          <p:nvPr/>
+        </p:nvPicPr>
+        <p:blipFill>
+          <a:blip r:embed="rId2"/>
+          <a:stretch>
+            <a:fillRect/>
+          </a:stretch>
+        </p:blipFill>
         <p:spPr>
           <a:xfrm>
-            <a:off x="8556784" y="4749851"/>
-            <a:ext cx="548700" cy="393600"/>
+            <a:off x="4909036" y="270701"/>
+            <a:ext cx="3621264" cy="4675950"/>
           </a:xfrm>
           <a:prstGeom prst="rect">
             <a:avLst/>
           </a:prstGeom>
         </p:spPr>
+      </p:pic>
+      <p:sp>
+        <p:nvSpPr>
+          <p:cNvPr id="6" name="Subtitle 2">
+            <a:extLst>
+              <a:ext uri="{FF2B5EF4-FFF2-40B4-BE49-F238E27FC236}">
+                <a16:creationId xmlns:a16="http://schemas.microsoft.com/office/drawing/2014/main" id="{4D771632-C52A-3978-C551-A6AE6105E133}"/>
+              </a:ext>
+            </a:extLst>
+          </p:cNvPr>
+          <p:cNvSpPr>
+            <a:spLocks noGrp="1"/>
+          </p:cNvSpPr>
+          <p:nvPr>
+            <p:ph type="subTitle" idx="1"/>
+          </p:nvPr>
+        </p:nvSpPr>
+        <p:spPr>
+          <a:xfrm>
+            <a:off x="613700" y="1028375"/>
+            <a:ext cx="3958300" cy="3173100"/>
+          </a:xfrm>
+        </p:spPr>
         <p:txBody>
-          <a:bodyPr spcFirstLastPara="1" wrap="square" lIns="91425" tIns="91425" rIns="91425" bIns="91425" anchor="t" anchorCtr="0">
-            <a:noAutofit/>
-          </a:bodyPr>
+          <a:bodyPr/>
           <a:lstStyle/>
           <a:p>
-            <a:pPr marL="0" lvl="0" indent="0" algn="r" rtl="0">
-              <a:spcBef>
-                <a:spcPts val="0"/>
-              </a:spcBef>
-              <a:spcAft>
-                <a:spcPts val="0"/>
-              </a:spcAft>
-              <a:buNone/>
+            <a:pPr marL="514350" indent="-285750">
+              <a:buFont typeface="Arial" panose="020B0604020202020204" pitchFamily="34" charset="0"/>
+              <a:buChar char="•"/>
             </a:pPr>
-            <a:fld id="{00000000-1234-1234-1234-123412341234}" type="slidenum">
-              <a:rPr lang="en"/>
-              <a:t>8</a:t>
-            </a:fld>
-            <a:endParaRPr/>
+            <a:r>
+              <a:rPr lang="en-US" dirty="0"/>
+              <a:t>Encapsulated piece of code</a:t>
+            </a:r>
+          </a:p>
+          <a:p>
+            <a:pPr marL="514350" indent="-285750">
+              <a:buFont typeface="Arial" panose="020B0604020202020204" pitchFamily="34" charset="0"/>
+              <a:buChar char="•"/>
+            </a:pPr>
+            <a:endParaRPr lang="en-US" b="1" dirty="0"/>
+          </a:p>
+          <a:p>
+            <a:pPr marL="514350" indent="-285750">
+              <a:buFont typeface="Arial" panose="020B0604020202020204" pitchFamily="34" charset="0"/>
+              <a:buChar char="•"/>
+            </a:pPr>
+            <a:r>
+              <a:rPr lang="en-US" dirty="0"/>
+              <a:t>Responsible for rendering a specific portion of the page</a:t>
+            </a:r>
+          </a:p>
+          <a:p>
+            <a:pPr marL="514350" indent="-285750">
+              <a:buFont typeface="Arial" panose="020B0604020202020204" pitchFamily="34" charset="0"/>
+              <a:buChar char="•"/>
+            </a:pPr>
+            <a:endParaRPr lang="en-US" dirty="0"/>
+          </a:p>
+          <a:p>
+            <a:pPr marL="514350" indent="-285750">
+              <a:buFont typeface="Arial" panose="020B0604020202020204" pitchFamily="34" charset="0"/>
+              <a:buChar char="•"/>
+            </a:pPr>
+            <a:r>
+              <a:rPr lang="en-US" dirty="0"/>
+              <a:t>Can contain other ‘child’ components rendered inside </a:t>
+            </a:r>
+          </a:p>
+          <a:p>
+            <a:pPr marL="514350" indent="-285750">
+              <a:buFont typeface="Arial" panose="020B0604020202020204" pitchFamily="34" charset="0"/>
+              <a:buChar char="•"/>
+            </a:pPr>
+            <a:endParaRPr lang="en-US" dirty="0"/>
           </a:p>
         </p:txBody>
       </p:sp>
+      <p:pic>
+        <p:nvPicPr>
+          <p:cNvPr id="8" name="Graphic 7">
+            <a:extLst>
+              <a:ext uri="{FF2B5EF4-FFF2-40B4-BE49-F238E27FC236}">
+                <a16:creationId xmlns:a16="http://schemas.microsoft.com/office/drawing/2014/main" id="{11F49E1C-22C8-ED05-D0BF-89C6D0376357}"/>
+              </a:ext>
+            </a:extLst>
+          </p:cNvPr>
+          <p:cNvPicPr>
+            <a:picLocks noChangeAspect="1"/>
+          </p:cNvPicPr>
+          <p:nvPr/>
+        </p:nvPicPr>
+        <p:blipFill>
+          <a:blip r:embed="rId3">
+            <a:extLst>
+              <a:ext uri="{96DAC541-7B7A-43D3-8B79-37D633B846F1}">
+                <asvg:svgBlip xmlns:asvg="http://schemas.microsoft.com/office/drawing/2016/SVG/main" r:embed="rId4"/>
+              </a:ext>
+            </a:extLst>
+          </a:blip>
+          <a:stretch>
+            <a:fillRect/>
+          </a:stretch>
+        </p:blipFill>
+        <p:spPr>
+          <a:xfrm>
+            <a:off x="801628" y="3053622"/>
+            <a:ext cx="3582444" cy="1783911"/>
+          </a:xfrm>
+          <a:prstGeom prst="rect">
+            <a:avLst/>
+          </a:prstGeom>
+        </p:spPr>
+      </p:pic>
     </p:spTree>
     <p:extLst>
       <p:ext uri="{BB962C8B-B14F-4D97-AF65-F5344CB8AC3E}">
-        <p14:creationId xmlns:p14="http://schemas.microsoft.com/office/powerpoint/2010/main" val="3508383901"/>
+        <p14:creationId xmlns:p14="http://schemas.microsoft.com/office/powerpoint/2010/main" val="2395650053"/>
       </p:ext>
     </p:extLst>
   </p:cSld>
@@ -10051,7 +11067,7 @@
           <p:cNvPr id="2" name="Title 1">
             <a:extLst>
               <a:ext uri="{FF2B5EF4-FFF2-40B4-BE49-F238E27FC236}">
-                <a16:creationId xmlns:a16="http://schemas.microsoft.com/office/drawing/2014/main" id="{96A5B752-8524-64D9-9E14-58DA0579328E}"/>
+                <a16:creationId xmlns:a16="http://schemas.microsoft.com/office/drawing/2014/main" id="{D918FEE5-448F-ED1E-1704-E2E5090FC2B3}"/>
               </a:ext>
             </a:extLst>
           </p:cNvPr>
@@ -10069,7 +11085,7 @@
           <a:p>
             <a:r>
               <a:rPr lang="en-US" dirty="0"/>
-              <a:t>What is NPM?</a:t>
+              <a:t>JSX (JavaScript Syntax Extension)</a:t>
             </a:r>
           </a:p>
         </p:txBody>
@@ -10079,7 +11095,7 @@
           <p:cNvPr id="3" name="Subtitle 2">
             <a:extLst>
               <a:ext uri="{FF2B5EF4-FFF2-40B4-BE49-F238E27FC236}">
-                <a16:creationId xmlns:a16="http://schemas.microsoft.com/office/drawing/2014/main" id="{A4EF0C6F-6CCF-760E-C1D0-D44117BEA9A6}"/>
+                <a16:creationId xmlns:a16="http://schemas.microsoft.com/office/drawing/2014/main" id="{4C64753D-2B3A-B676-7F7D-44F74FCFF457}"/>
               </a:ext>
             </a:extLst>
           </p:cNvPr>
@@ -10093,7 +11109,7 @@
         <p:spPr>
           <a:xfrm>
             <a:off x="613700" y="1028375"/>
-            <a:ext cx="7625100" cy="1968825"/>
+            <a:ext cx="4791281" cy="3173100"/>
           </a:xfrm>
         </p:spPr>
         <p:txBody>
@@ -10105,8 +11121,8 @@
               <a:buChar char="•"/>
             </a:pPr>
             <a:r>
-              <a:rPr lang="en-US" sz="1600" dirty="0"/>
-              <a:t>NPM (Node Package Manager) is the default package manager for Node.js, included with installation</a:t>
+              <a:rPr lang="en-US" dirty="0"/>
+              <a:t>An HTML-like syntax for creating components</a:t>
             </a:r>
           </a:p>
           <a:p>
@@ -10114,7 +11130,7 @@
               <a:buFont typeface="Arial" panose="020B0604020202020204" pitchFamily="34" charset="0"/>
               <a:buChar char="•"/>
             </a:pPr>
-            <a:endParaRPr lang="en-US" sz="1600" dirty="0"/>
+            <a:endParaRPr lang="en-US" dirty="0"/>
           </a:p>
           <a:p>
             <a:pPr marL="514350" indent="-285750">
@@ -10122,16 +11138,8 @@
               <a:buChar char="•"/>
             </a:pPr>
             <a:r>
-              <a:rPr lang="en-US" sz="1600" dirty="0"/>
-              <a:t>Is a command line tool that can be used to install packages from the </a:t>
-            </a:r>
-            <a:r>
-              <a:rPr lang="en-US" sz="1600" dirty="0" err="1"/>
-              <a:t>npm</a:t>
-            </a:r>
-            <a:r>
-              <a:rPr lang="en-US" sz="1600" dirty="0"/>
-              <a:t> registry</a:t>
+              <a:rPr lang="en-US" dirty="0"/>
+              <a:t>Allows the use of embedded JS expressions</a:t>
             </a:r>
           </a:p>
           <a:p>
@@ -10139,7 +11147,7 @@
               <a:buFont typeface="Arial" panose="020B0604020202020204" pitchFamily="34" charset="0"/>
               <a:buChar char="•"/>
             </a:pPr>
-            <a:endParaRPr lang="en-US" sz="1600" dirty="0"/>
+            <a:endParaRPr lang="en-US" dirty="0"/>
           </a:p>
           <a:p>
             <a:pPr marL="514350" indent="-285750">
@@ -10147,16 +11155,8 @@
               <a:buChar char="•"/>
             </a:pPr>
             <a:r>
-              <a:rPr lang="en-US" sz="1600" dirty="0"/>
-              <a:t>Check currently installed version with `</a:t>
-            </a:r>
-            <a:r>
-              <a:rPr lang="en-US" sz="1600" dirty="0" err="1"/>
-              <a:t>npm</a:t>
-            </a:r>
-            <a:r>
-              <a:rPr lang="en-US" sz="1600" dirty="0"/>
-              <a:t> –v` command</a:t>
+              <a:rPr lang="en-US" dirty="0"/>
+              <a:t>Not included in base React library </a:t>
             </a:r>
           </a:p>
           <a:p>
@@ -10164,34 +11164,17 @@
               <a:buFont typeface="Arial" panose="020B0604020202020204" pitchFamily="34" charset="0"/>
               <a:buChar char="•"/>
             </a:pPr>
-            <a:endParaRPr lang="en-US" sz="1600" dirty="0"/>
+            <a:endParaRPr lang="en-US" dirty="0"/>
           </a:p>
           <a:p>
             <a:pPr marL="514350" indent="-285750">
               <a:buFont typeface="Arial" panose="020B0604020202020204" pitchFamily="34" charset="0"/>
               <a:buChar char="•"/>
             </a:pPr>
-            <a:endParaRPr lang="en-US" sz="1600" dirty="0"/>
-          </a:p>
-          <a:p>
-            <a:pPr marL="514350" indent="-285750">
-              <a:buFont typeface="Arial" panose="020B0604020202020204" pitchFamily="34" charset="0"/>
-              <a:buChar char="•"/>
-            </a:pPr>
-            <a:endParaRPr lang="en-US" sz="1600" dirty="0"/>
-          </a:p>
-          <a:p>
-            <a:pPr marL="514350" indent="-285750">
-              <a:buFont typeface="Arial" panose="020B0604020202020204" pitchFamily="34" charset="0"/>
-              <a:buChar char="•"/>
-            </a:pPr>
-            <a:endParaRPr lang="en-US" sz="1600" dirty="0"/>
-          </a:p>
-          <a:p>
-            <a:endParaRPr lang="en-US" dirty="0"/>
-          </a:p>
-          <a:p>
-            <a:endParaRPr lang="en-US" dirty="0"/>
+            <a:r>
+              <a:rPr lang="en-US" dirty="0"/>
+              <a:t>Not required, but recommended!</a:t>
+            </a:r>
           </a:p>
         </p:txBody>
       </p:sp>
@@ -10200,7 +11183,7 @@
           <p:cNvPr id="4" name="Slide Number Placeholder 3">
             <a:extLst>
               <a:ext uri="{FF2B5EF4-FFF2-40B4-BE49-F238E27FC236}">
-                <a16:creationId xmlns:a16="http://schemas.microsoft.com/office/drawing/2014/main" id="{E420A53A-BB4C-3A78-61B8-B28EBAF58C59}"/>
+                <a16:creationId xmlns:a16="http://schemas.microsoft.com/office/drawing/2014/main" id="{65FD56E9-C5CA-D586-B433-175270D0D728}"/>
               </a:ext>
             </a:extLst>
           </p:cNvPr>
@@ -10235,10 +11218,10 @@
       </p:sp>
       <p:pic>
         <p:nvPicPr>
-          <p:cNvPr id="6" name="Picture 5">
+          <p:cNvPr id="6" name="Graphic 5">
             <a:extLst>
               <a:ext uri="{FF2B5EF4-FFF2-40B4-BE49-F238E27FC236}">
-                <a16:creationId xmlns:a16="http://schemas.microsoft.com/office/drawing/2014/main" id="{EFD3A6B0-03AE-C7EB-B339-10A232AB442B}"/>
+                <a16:creationId xmlns:a16="http://schemas.microsoft.com/office/drawing/2014/main" id="{7F48C8DB-8432-6632-1216-76E946DBE570}"/>
               </a:ext>
             </a:extLst>
           </p:cNvPr>
@@ -10248,15 +11231,21 @@
           <p:nvPr/>
         </p:nvPicPr>
         <p:blipFill>
-          <a:blip r:embed="rId3"/>
+          <a:blip r:embed="rId2">
+            <a:extLst>
+              <a:ext uri="{96DAC541-7B7A-43D3-8B79-37D633B846F1}">
+                <asvg:svgBlip xmlns:asvg="http://schemas.microsoft.com/office/drawing/2016/SVG/main" r:embed="rId3"/>
+              </a:ext>
+            </a:extLst>
+          </a:blip>
           <a:stretch>
             <a:fillRect/>
           </a:stretch>
         </p:blipFill>
         <p:spPr>
           <a:xfrm>
-            <a:off x="2297760" y="3093176"/>
-            <a:ext cx="4256980" cy="1656675"/>
+            <a:off x="4117114" y="2104373"/>
+            <a:ext cx="4497487" cy="2842278"/>
           </a:xfrm>
           <a:prstGeom prst="rect">
             <a:avLst/>
@@ -10266,7 +11255,7 @@
     </p:spTree>
     <p:extLst>
       <p:ext uri="{BB962C8B-B14F-4D97-AF65-F5344CB8AC3E}">
-        <p14:creationId xmlns:p14="http://schemas.microsoft.com/office/powerpoint/2010/main" val="1826935820"/>
+        <p14:creationId xmlns:p14="http://schemas.microsoft.com/office/powerpoint/2010/main" val="3717434077"/>
       </p:ext>
     </p:extLst>
   </p:cSld>
